--- a/W1_Intro/W1_Intro.pptx
+++ b/W1_Intro/W1_Intro.pptx
@@ -2027,8 +2027,8 @@
     <dgm:cxn modelId="{6C4AF161-8670-418D-A20A-7A626E48DCE5}" type="presOf" srcId="{C1D19683-A3A5-404F-A63B-ED80A5E486C7}" destId="{2EDF80E7-AC42-4C2B-A114-2692138893EE}" srcOrd="0" destOrd="0" presId="urn:microsoft.com/office/officeart/2005/8/layout/arrow2"/>
     <dgm:cxn modelId="{EA37B754-BE35-4676-A1BE-511961DF0877}" srcId="{C1D19683-A3A5-404F-A63B-ED80A5E486C7}" destId="{D2230D03-49D4-4DDF-A318-290AF70BC23B}" srcOrd="2" destOrd="0" parTransId="{8875CD2D-3368-4550-83ED-8F31ABB3304E}" sibTransId="{8F8C8592-27CD-40DE-BDD5-0634AA348A80}"/>
     <dgm:cxn modelId="{EE2D2B6D-E16A-4184-9178-BB884CECF67C}" type="presOf" srcId="{136F9BE7-E4F6-4C5B-BD65-12C9FC12014D}" destId="{0E9DD510-DBAD-4442-8593-6F86FC264B16}" srcOrd="0" destOrd="0" presId="urn:microsoft.com/office/officeart/2005/8/layout/arrow2"/>
+    <dgm:cxn modelId="{F3D4F644-890B-4178-B0AF-A074FF014CD5}" srcId="{C1D19683-A3A5-404F-A63B-ED80A5E486C7}" destId="{4A113EAB-107D-48A5-A368-338EC4453D7B}" srcOrd="1" destOrd="0" parTransId="{E65222DD-CF94-4D64-BD0B-A256A2AA0CC8}" sibTransId="{2DFF5C45-A9E2-4236-AAA3-8DB7FA4E01AC}"/>
     <dgm:cxn modelId="{40DB5D28-2D2C-41D0-B89B-03CF9F8EEA72}" type="presOf" srcId="{4A113EAB-107D-48A5-A368-338EC4453D7B}" destId="{76F6B084-9F11-45A1-B66C-E7FD82AE8A7B}" srcOrd="0" destOrd="0" presId="urn:microsoft.com/office/officeart/2005/8/layout/arrow2"/>
-    <dgm:cxn modelId="{F3D4F644-890B-4178-B0AF-A074FF014CD5}" srcId="{C1D19683-A3A5-404F-A63B-ED80A5E486C7}" destId="{4A113EAB-107D-48A5-A368-338EC4453D7B}" srcOrd="1" destOrd="0" parTransId="{E65222DD-CF94-4D64-BD0B-A256A2AA0CC8}" sibTransId="{2DFF5C45-A9E2-4236-AAA3-8DB7FA4E01AC}"/>
     <dgm:cxn modelId="{D86294F8-1C22-4E6B-A7DB-2A4B141703AD}" srcId="{C1D19683-A3A5-404F-A63B-ED80A5E486C7}" destId="{AF4D23FD-CE33-42CE-B3D4-9AD62B963E3B}" srcOrd="0" destOrd="0" parTransId="{F8DD8A30-4565-42AE-9A43-B42F7FADB2B2}" sibTransId="{67EA2748-6060-450C-951D-B0F7864D408E}"/>
     <dgm:cxn modelId="{95333267-1768-4990-B9D4-3A2764822C62}" type="presOf" srcId="{AF4D23FD-CE33-42CE-B3D4-9AD62B963E3B}" destId="{9000638A-FF3C-4404-BF0E-080492D6AF86}" srcOrd="0" destOrd="0" presId="urn:microsoft.com/office/officeart/2005/8/layout/arrow2"/>
     <dgm:cxn modelId="{7D71CD87-5FD5-42AD-838C-532F28D2EF55}" type="presOf" srcId="{D2230D03-49D4-4DDF-A318-290AF70BC23B}" destId="{7DB2AD42-58FB-4212-A4C2-D179E079D8C3}" srcOrd="0" destOrd="0" presId="urn:microsoft.com/office/officeart/2005/8/layout/arrow2"/>
@@ -15930,7 +15930,7 @@
               <a:buNone/>
             </a:pPr>
             <a:r>
-              <a:rPr lang="en-US" sz="2800" b="0" i="0" u="none" strike="noStrike" cap="none">
+              <a:rPr lang="en-US" sz="2800" b="0" i="0" u="none" strike="noStrike" cap="none" dirty="0">
                 <a:solidFill>
                   <a:srgbClr val="136855"/>
                 </a:solidFill>
@@ -15939,9 +15939,33 @@
                 <a:cs typeface="Arial"/>
                 <a:sym typeface="Arial"/>
               </a:rPr>
-              <a:t>In the course:</a:t>
+              <a:t>In </a:t>
             </a:r>
-            <a:endParaRPr sz="2800" b="1" i="0" u="none" strike="noStrike" cap="none">
+            <a:r>
+              <a:rPr lang="en-US" sz="2800" b="0" i="0" u="none" strike="noStrike" cap="none" dirty="0" smtClean="0">
+                <a:solidFill>
+                  <a:srgbClr val="136855"/>
+                </a:solidFill>
+                <a:latin typeface="Arial"/>
+                <a:ea typeface="Arial"/>
+                <a:cs typeface="Arial"/>
+                <a:sym typeface="Arial"/>
+              </a:rPr>
+              <a:t>this </a:t>
+            </a:r>
+            <a:r>
+              <a:rPr lang="en-US" sz="2800" b="0" i="0" u="none" strike="noStrike" cap="none" dirty="0">
+                <a:solidFill>
+                  <a:srgbClr val="136855"/>
+                </a:solidFill>
+                <a:latin typeface="Arial"/>
+                <a:ea typeface="Arial"/>
+                <a:cs typeface="Arial"/>
+                <a:sym typeface="Arial"/>
+              </a:rPr>
+              <a:t>course:</a:t>
+            </a:r>
+            <a:endParaRPr sz="2800" b="1" i="0" u="none" strike="noStrike" cap="none" dirty="0">
               <a:solidFill>
                 <a:srgbClr val="136855"/>
               </a:solidFill>
@@ -15965,7 +15989,7 @@
         </p:nvSpPr>
         <p:spPr>
           <a:xfrm>
-            <a:off x="1638300" y="1057911"/>
+            <a:off x="1672166" y="1498178"/>
             <a:ext cx="6969760" cy="2614930"/>
           </a:xfrm>
           <a:prstGeom prst="rect">
@@ -15983,6 +16007,9 @@
           <a:lstStyle/>
           <a:p>
             <a:pPr marL="342900" marR="0" lvl="0" indent="-342900" algn="l" rtl="0">
+              <a:lnSpc>
+                <a:spcPct val="200000"/>
+              </a:lnSpc>
               <a:spcBef>
                 <a:spcPts val="0"/>
               </a:spcBef>
@@ -15997,29 +16024,39 @@
               <a:buChar char="•"/>
             </a:pPr>
             <a:r>
-              <a:rPr lang="en-US" sz="1600" b="0" i="0" u="none" strike="noStrike" cap="none" dirty="0">
+              <a:rPr lang="en-US" sz="1800" dirty="0"/>
+              <a:t>W</a:t>
+            </a:r>
+            <a:r>
+              <a:rPr lang="en-US" sz="1800" b="0" i="0" u="none" strike="noStrike" cap="none" dirty="0" smtClean="0">
                 <a:solidFill>
                   <a:schemeClr val="dk1"/>
                 </a:solidFill>
-                <a:latin typeface="Arial"/>
-                <a:ea typeface="Arial"/>
-                <a:cs typeface="Arial"/>
                 <a:sym typeface="Arial"/>
               </a:rPr>
-              <a:t>In this course we will go through various predictive methods and algorithms. </a:t>
+              <a:t>e </a:t>
             </a:r>
-            <a:endParaRPr lang="en-US" sz="1600" b="0" i="0" u="none" strike="noStrike" cap="none" dirty="0" smtClean="0">
+            <a:r>
+              <a:rPr lang="en-US" sz="1800" b="0" i="0" u="none" strike="noStrike" cap="none" dirty="0">
+                <a:solidFill>
+                  <a:schemeClr val="dk1"/>
+                </a:solidFill>
+                <a:sym typeface="Arial"/>
+              </a:rPr>
+              <a:t>will go through various predictive methods and algorithms. </a:t>
+            </a:r>
+            <a:endParaRPr lang="en-US" sz="1800" b="0" i="0" u="none" strike="noStrike" cap="none" dirty="0" smtClean="0">
               <a:solidFill>
                 <a:schemeClr val="dk1"/>
               </a:solidFill>
-              <a:latin typeface="Arial"/>
-              <a:ea typeface="Arial"/>
-              <a:cs typeface="Arial"/>
               <a:sym typeface="Arial"/>
             </a:endParaRPr>
           </a:p>
           <a:p>
             <a:pPr marL="0" marR="0" lvl="0" indent="0" algn="l" rtl="0">
+              <a:lnSpc>
+                <a:spcPct val="200000"/>
+              </a:lnSpc>
               <a:spcBef>
                 <a:spcPts val="0"/>
               </a:spcBef>
@@ -16032,18 +16069,18 @@
               <a:buSzPts val="1600"/>
               <a:buNone/>
             </a:pPr>
-            <a:endParaRPr sz="1600" b="0" i="0" u="none" strike="noStrike" cap="none" dirty="0">
+            <a:endParaRPr sz="1800" b="0" i="0" u="none" strike="noStrike" cap="none" dirty="0">
               <a:solidFill>
                 <a:schemeClr val="dk1"/>
               </a:solidFill>
-              <a:latin typeface="Arial"/>
-              <a:ea typeface="Arial"/>
-              <a:cs typeface="Arial"/>
               <a:sym typeface="Arial"/>
             </a:endParaRPr>
           </a:p>
           <a:p>
             <a:pPr marL="342900" marR="0" lvl="0" indent="-342900" algn="l" rtl="0">
+              <a:lnSpc>
+                <a:spcPct val="200000"/>
+              </a:lnSpc>
               <a:spcBef>
                 <a:spcPts val="320"/>
               </a:spcBef>
@@ -16058,42 +16095,37 @@
               <a:buChar char="•"/>
             </a:pPr>
             <a:r>
-              <a:rPr lang="en-US" sz="1600" b="0" i="0" u="none" strike="noStrike" cap="none" dirty="0">
+              <a:rPr lang="en-US" sz="1800" dirty="0"/>
+              <a:t>P</a:t>
+            </a:r>
+            <a:r>
+              <a:rPr lang="en-US" sz="1800" b="0" i="0" u="none" strike="noStrike" cap="none" dirty="0" smtClean="0">
                 <a:solidFill>
                   <a:schemeClr val="dk1"/>
                 </a:solidFill>
-                <a:latin typeface="Arial"/>
-                <a:ea typeface="Arial"/>
-                <a:cs typeface="Arial"/>
                 <a:sym typeface="Arial"/>
               </a:rPr>
-              <a:t>In </a:t>
+              <a:t>rogramming </a:t>
             </a:r>
             <a:r>
-              <a:rPr lang="en-US" sz="1600" b="0" i="0" u="none" strike="noStrike" cap="none" dirty="0" smtClean="0">
+              <a:rPr lang="en-US" sz="1800" b="0" i="0" u="none" strike="noStrike" cap="none" dirty="0" smtClean="0">
                 <a:solidFill>
                   <a:schemeClr val="dk1"/>
                 </a:solidFill>
-                <a:latin typeface="Arial"/>
-                <a:ea typeface="Arial"/>
-                <a:cs typeface="Arial"/>
                 <a:sym typeface="Arial"/>
               </a:rPr>
-              <a:t>programming language will be </a:t>
+              <a:t>language will be </a:t>
             </a:r>
             <a:r>
-              <a:rPr lang="en-US" sz="1600" b="0" i="0" u="none" strike="noStrike" cap="none" dirty="0">
+              <a:rPr lang="en-US" sz="1800" b="0" i="0" u="none" strike="noStrike" cap="none" dirty="0">
                 <a:solidFill>
                   <a:schemeClr val="dk1"/>
                 </a:solidFill>
-                <a:latin typeface="Arial"/>
-                <a:ea typeface="Arial"/>
-                <a:cs typeface="Arial"/>
                 <a:sym typeface="Arial"/>
               </a:rPr>
               <a:t>python. </a:t>
             </a:r>
-            <a:endParaRPr dirty="0"/>
+            <a:endParaRPr sz="1800" dirty="0"/>
           </a:p>
         </p:txBody>
       </p:sp>
@@ -16241,7 +16273,15 @@
           <a:p>
             <a:r>
               <a:rPr lang="en-US" dirty="0"/>
-              <a:t>Lab Assignments 65% Labs (See deadlines</a:t>
+              <a:t>Lab Assignments </a:t>
+            </a:r>
+            <a:r>
+              <a:rPr lang="en-US" dirty="0" smtClean="0"/>
+              <a:t>65% </a:t>
+            </a:r>
+            <a:r>
+              <a:rPr lang="en-US" dirty="0"/>
+              <a:t>Labs (See deadlines</a:t>
             </a:r>
             <a:r>
               <a:rPr lang="en-US" dirty="0" smtClean="0"/>
@@ -16254,7 +16294,15 @@
           <a:p>
             <a:r>
               <a:rPr lang="en-US" dirty="0"/>
-              <a:t>Report + presentation  35% (See deadlines)</a:t>
+              <a:t>Report + presentation  </a:t>
+            </a:r>
+            <a:r>
+              <a:rPr lang="en-US" dirty="0" smtClean="0"/>
+              <a:t>35% </a:t>
+            </a:r>
+            <a:r>
+              <a:rPr lang="en-US" dirty="0"/>
+              <a:t>(See deadlines)</a:t>
             </a:r>
           </a:p>
         </p:txBody>
@@ -19943,8 +19991,8 @@
           </a:p>
         </p:txBody>
       </p:sp>
-      <mc:AlternateContent xmlns:mc="http://schemas.openxmlformats.org/markup-compatibility/2006">
-        <mc:Choice xmlns:a14="http://schemas.microsoft.com/office/drawing/2010/main" Requires="a14">
+      <mc:AlternateContent xmlns:mc="http://schemas.openxmlformats.org/markup-compatibility/2006" xmlns:a14="http://schemas.microsoft.com/office/drawing/2010/main">
+        <mc:Choice Requires="a14">
           <p:sp>
             <p:nvSpPr>
               <p:cNvPr id="11" name="TextBox 10"/>
@@ -20005,7 +20053,7 @@
             </p:txBody>
           </p:sp>
         </mc:Choice>
-        <mc:Fallback>
+        <mc:Fallback xmlns="">
           <p:sp>
             <p:nvSpPr>
               <p:cNvPr id="11" name="TextBox 10"/>
@@ -23434,8 +23482,8 @@
           </a:p>
         </p:txBody>
       </p:sp>
-      <mc:AlternateContent xmlns:mc="http://schemas.openxmlformats.org/markup-compatibility/2006">
-        <mc:Choice xmlns:a14="http://schemas.microsoft.com/office/drawing/2010/main" Requires="a14">
+      <mc:AlternateContent xmlns:mc="http://schemas.openxmlformats.org/markup-compatibility/2006" xmlns:a14="http://schemas.microsoft.com/office/drawing/2010/main">
+        <mc:Choice Requires="a14">
           <p:sp>
             <p:nvSpPr>
               <p:cNvPr id="11" name="TextBox 10"/>
@@ -23496,7 +23544,7 @@
             </p:txBody>
           </p:sp>
         </mc:Choice>
-        <mc:Fallback>
+        <mc:Fallback xmlns="">
           <p:sp>
             <p:nvSpPr>
               <p:cNvPr id="11" name="TextBox 10"/>
